--- a/UML/tps/tp02/Rapport-a-rendre-tp02-Dahbia-BERRANI.pptx
+++ b/UML/tps/tp02/Rapport-a-rendre-tp02-Dahbia-BERRANI.pptx
@@ -5,13 +5,13 @@
     <p:sldMasterId id="2147483804" r:id="rId1"/>
   </p:sldMasterIdLst>
   <p:sldIdLst>
-    <p:sldId id="261" r:id="rId2"/>
-    <p:sldId id="262" r:id="rId3"/>
-    <p:sldId id="263" r:id="rId4"/>
-    <p:sldId id="264" r:id="rId5"/>
+    <p:sldId id="261" r:id="mr_id1"/>
+    <p:sldId id="262" r:id="mr_id2"/>
+    <p:sldId id="263" r:id="mr_id3"/>
+    <p:sldId id="264" r:id="mr_id4"/>
   </p:sldIdLst>
   <p:sldSz cx="9144000" cy="6858000" type="screen4x3"/>
-  <p:notesSz cx="7104063" cy="10234613"/>
+  <p:notesSz cx="6858000" cy="9144000"/>
   <p:defaultTextStyle>
     <a:defPPr>
       <a:defRPr lang="en-US"/>
@@ -107,22 +107,6 @@
       </a:defRPr>
     </a:lvl9pPr>
   </p:defaultTextStyle>
-  <p:extLst>
-    <p:ext uri="{EFAFB233-063F-42B5-8137-9DF3F51BA10A}">
-      <p15:sldGuideLst xmlns:p15="http://schemas.microsoft.com/office/powerpoint/2012/main">
-        <p15:guide id="1" orient="horz" pos="2160">
-          <p15:clr>
-            <a:srgbClr val="A4A3A4"/>
-          </p15:clr>
-        </p15:guide>
-        <p15:guide id="2" pos="2880">
-          <p15:clr>
-            <a:srgbClr val="A4A3A4"/>
-          </p15:clr>
-        </p15:guide>
-      </p15:sldGuideLst>
-    </p:ext>
-  </p:extLst>
 </p:presentation>
 </file>
 
@@ -407,7 +391,7 @@
             <a:fld id="{B2606BD7-39CD-4C07-B586-DBA0B5855F6F}" type="datetimeFigureOut">
               <a:rPr lang="en-US" smtClean="0"/>
               <a:pPr/>
-              <a:t>9/29/2021</a:t>
+              <a:t>4/21/2010</a:t>
             </a:fld>
             <a:endParaRPr lang="en-US"/>
           </a:p>
@@ -637,7 +621,7 @@
             <a:fld id="{AEF02447-5601-4918-A7BA-67A9D0F3906A}" type="slidenum">
               <a:rPr lang="en-US" smtClean="0"/>
               <a:pPr/>
-              <a:t>‹N°›</a:t>
+              <a:t>‹#›</a:t>
             </a:fld>
             <a:endParaRPr lang="en-US"/>
           </a:p>
@@ -802,7 +786,7 @@
             <a:fld id="{B2606BD7-39CD-4C07-B586-DBA0B5855F6F}" type="datetimeFigureOut">
               <a:rPr lang="en-US" smtClean="0"/>
               <a:pPr/>
-              <a:t>9/29/2021</a:t>
+              <a:t>4/21/2010</a:t>
             </a:fld>
             <a:endParaRPr lang="en-US"/>
           </a:p>
@@ -845,7 +829,7 @@
             <a:fld id="{AEF02447-5601-4918-A7BA-67A9D0F3906A}" type="slidenum">
               <a:rPr lang="en-US" smtClean="0"/>
               <a:pPr/>
-              <a:t>‹N°›</a:t>
+              <a:t>‹#›</a:t>
             </a:fld>
             <a:endParaRPr lang="en-US"/>
           </a:p>
@@ -1256,7 +1240,7 @@
             <a:fld id="{AEF02447-5601-4918-A7BA-67A9D0F3906A}" type="slidenum">
               <a:rPr lang="en-US" smtClean="0"/>
               <a:pPr/>
-              <a:t>‹N°›</a:t>
+              <a:t>‹#›</a:t>
             </a:fld>
             <a:endParaRPr lang="en-US"/>
           </a:p>
@@ -1337,7 +1321,7 @@
             <a:fld id="{B2606BD7-39CD-4C07-B586-DBA0B5855F6F}" type="datetimeFigureOut">
               <a:rPr lang="en-US" smtClean="0"/>
               <a:pPr/>
-              <a:t>9/29/2021</a:t>
+              <a:t>4/21/2010</a:t>
             </a:fld>
             <a:endParaRPr lang="en-US"/>
           </a:p>
@@ -1471,7 +1455,7 @@
             <a:fld id="{B2606BD7-39CD-4C07-B586-DBA0B5855F6F}" type="datetimeFigureOut">
               <a:rPr lang="en-US" smtClean="0"/>
               <a:pPr/>
-              <a:t>9/29/2021</a:t>
+              <a:t>4/21/2010</a:t>
             </a:fld>
             <a:endParaRPr lang="en-US"/>
           </a:p>
@@ -1519,7 +1503,7 @@
             <a:fld id="{AEF02447-5601-4918-A7BA-67A9D0F3906A}" type="slidenum">
               <a:rPr lang="en-US" smtClean="0"/>
               <a:pPr/>
-              <a:t>‹N°›</a:t>
+              <a:t>‹#›</a:t>
             </a:fld>
             <a:endParaRPr lang="en-US"/>
           </a:p>
@@ -2016,7 +2000,7 @@
             <a:fld id="{B2606BD7-39CD-4C07-B586-DBA0B5855F6F}" type="datetimeFigureOut">
               <a:rPr lang="en-US" smtClean="0"/>
               <a:pPr/>
-              <a:t>9/29/2021</a:t>
+              <a:t>4/21/2010</a:t>
             </a:fld>
             <a:endParaRPr lang="en-US"/>
           </a:p>
@@ -2189,7 +2173,7 @@
             <a:fld id="{AEF02447-5601-4918-A7BA-67A9D0F3906A}" type="slidenum">
               <a:rPr lang="en-US" smtClean="0"/>
               <a:pPr/>
-              <a:t>‹N°›</a:t>
+              <a:t>‹#›</a:t>
             </a:fld>
             <a:endParaRPr lang="en-US"/>
           </a:p>
@@ -2313,7 +2297,7 @@
             <a:fld id="{B2606BD7-39CD-4C07-B586-DBA0B5855F6F}" type="datetimeFigureOut">
               <a:rPr lang="en-US" smtClean="0"/>
               <a:pPr/>
-              <a:t>9/29/2021</a:t>
+              <a:t>4/21/2010</a:t>
             </a:fld>
             <a:endParaRPr lang="en-US"/>
           </a:p>
@@ -2356,7 +2340,7 @@
             <a:fld id="{AEF02447-5601-4918-A7BA-67A9D0F3906A}" type="slidenum">
               <a:rPr lang="en-US" smtClean="0"/>
               <a:pPr/>
-              <a:t>‹N°›</a:t>
+              <a:t>‹#›</a:t>
             </a:fld>
             <a:endParaRPr lang="en-US"/>
           </a:p>
@@ -2974,7 +2958,7 @@
             <a:fld id="{B2606BD7-39CD-4C07-B586-DBA0B5855F6F}" type="datetimeFigureOut">
               <a:rPr lang="en-US" smtClean="0"/>
               <a:pPr/>
-              <a:t>9/29/2021</a:t>
+              <a:t>4/21/2010</a:t>
             </a:fld>
             <a:endParaRPr lang="en-US"/>
           </a:p>
@@ -3317,7 +3301,7 @@
             <a:fld id="{AEF02447-5601-4918-A7BA-67A9D0F3906A}" type="slidenum">
               <a:rPr lang="en-US" smtClean="0"/>
               <a:pPr/>
-              <a:t>‹N°›</a:t>
+              <a:t>‹#›</a:t>
             </a:fld>
             <a:endParaRPr lang="en-US"/>
           </a:p>
@@ -3412,7 +3396,7 @@
             <a:fld id="{B2606BD7-39CD-4C07-B586-DBA0B5855F6F}" type="datetimeFigureOut">
               <a:rPr lang="en-US" smtClean="0"/>
               <a:pPr/>
-              <a:t>9/29/2021</a:t>
+              <a:t>4/21/2010</a:t>
             </a:fld>
             <a:endParaRPr lang="en-US"/>
           </a:p>
@@ -3460,7 +3444,7 @@
             <a:fld id="{AEF02447-5601-4918-A7BA-67A9D0F3906A}" type="slidenum">
               <a:rPr lang="en-US" smtClean="0"/>
               <a:pPr/>
-              <a:t>‹N°›</a:t>
+              <a:t>‹#›</a:t>
             </a:fld>
             <a:endParaRPr lang="en-US"/>
           </a:p>
@@ -3727,7 +3711,7 @@
             <a:fld id="{B2606BD7-39CD-4C07-B586-DBA0B5855F6F}" type="datetimeFigureOut">
               <a:rPr lang="en-US" smtClean="0"/>
               <a:pPr/>
-              <a:t>9/29/2021</a:t>
+              <a:t>4/21/2010</a:t>
             </a:fld>
             <a:endParaRPr lang="en-US"/>
           </a:p>
@@ -3783,7 +3767,7 @@
             <a:fld id="{AEF02447-5601-4918-A7BA-67A9D0F3906A}" type="slidenum">
               <a:rPr lang="en-US" smtClean="0"/>
               <a:pPr/>
-              <a:t>‹N°›</a:t>
+              <a:t>‹#›</a:t>
             </a:fld>
             <a:endParaRPr lang="en-US"/>
           </a:p>
@@ -4402,7 +4386,7 @@
             <a:fld id="{AEF02447-5601-4918-A7BA-67A9D0F3906A}" type="slidenum">
               <a:rPr lang="en-US" smtClean="0"/>
               <a:pPr/>
-              <a:t>‹N°›</a:t>
+              <a:t>‹#›</a:t>
             </a:fld>
             <a:endParaRPr lang="en-US"/>
           </a:p>
@@ -4462,7 +4446,7 @@
             <a:fld id="{B2606BD7-39CD-4C07-B586-DBA0B5855F6F}" type="datetimeFigureOut">
               <a:rPr lang="en-US" smtClean="0"/>
               <a:pPr/>
-              <a:t>9/29/2021</a:t>
+              <a:t>4/21/2010</a:t>
             </a:fld>
             <a:endParaRPr lang="en-US"/>
           </a:p>
@@ -4938,7 +4922,7 @@
             <a:fld id="{AEF02447-5601-4918-A7BA-67A9D0F3906A}" type="slidenum">
               <a:rPr lang="en-US" smtClean="0"/>
               <a:pPr/>
-              <a:t>‹N°›</a:t>
+              <a:t>‹#›</a:t>
             </a:fld>
             <a:endParaRPr lang="en-US"/>
           </a:p>
@@ -5128,7 +5112,7 @@
             <a:fld id="{B2606BD7-39CD-4C07-B586-DBA0B5855F6F}" type="datetimeFigureOut">
               <a:rPr lang="en-US" smtClean="0"/>
               <a:pPr/>
-              <a:t>9/29/2021</a:t>
+              <a:t>4/21/2010</a:t>
             </a:fld>
             <a:endParaRPr lang="en-US"/>
           </a:p>
@@ -5402,7 +5386,7 @@
             <a:fld id="{B2606BD7-39CD-4C07-B586-DBA0B5855F6F}" type="datetimeFigureOut">
               <a:rPr lang="en-US" smtClean="0"/>
               <a:pPr/>
-              <a:t>9/29/2021</a:t>
+              <a:t>4/21/2010</a:t>
             </a:fld>
             <a:endParaRPr lang="en-US"/>
           </a:p>
@@ -5653,7 +5637,7 @@
             <a:fld id="{AEF02447-5601-4918-A7BA-67A9D0F3906A}" type="slidenum">
               <a:rPr lang="en-US" smtClean="0"/>
               <a:pPr/>
-              <a:t>‹N°›</a:t>
+              <a:t>‹#›</a:t>
             </a:fld>
             <a:endParaRPr lang="en-US"/>
           </a:p>
@@ -6060,11 +6044,11 @@
 </file>
 
 <file path=ppt/slides/slide1.xml><?xml version="1.0" encoding="utf-8"?>
-<p:sld xmlns:a="http://schemas.openxmlformats.org/drawingml/2006/main" xmlns:r="http://schemas.openxmlformats.org/officeDocument/2006/relationships" xmlns:p="http://schemas.openxmlformats.org/presentationml/2006/main">
+<p:sld xmlns:a="http://schemas.openxmlformats.org/drawingml/2006/main" xmlns:p="http://schemas.openxmlformats.org/presentationml/2006/main" xmlns:r="http://schemas.openxmlformats.org/officeDocument/2006/relationships">
   <p:cSld>
     <p:spTree>
       <p:nvGrpSpPr>
-        <p:cNvPr id="1" name=""/>
+        <p:cNvPr name="" id="1"/>
         <p:cNvGrpSpPr/>
         <p:nvPr/>
       </p:nvGrpSpPr>
@@ -6078,14 +6062,14 @@
       </p:grpSpPr>
       <p:sp>
         <p:nvSpPr>
-          <p:cNvPr id="4" name="TextBox 3"/>
+          <p:cNvPr name="TextBox 3" id="4"/>
           <p:cNvSpPr txBox="1"/>
           <p:nvPr/>
         </p:nvSpPr>
         <p:spPr>
           <a:xfrm>
             <a:off x="2133600" y="2971800"/>
-            <a:ext cx="4876800" cy="1200329"/>
+            <a:ext cx="4876800" cy="646331"/>
           </a:xfrm>
           <a:prstGeom prst="rect">
             <a:avLst/>
@@ -6093,31 +6077,22 @@
           <a:noFill/>
         </p:spPr>
         <p:txBody>
-          <a:bodyPr wrap="square" rtlCol="0">
+          <a:bodyPr rtlCol="0" wrap="square">
             <a:spAutoFit/>
           </a:bodyPr>
           <a:lstStyle/>
           <a:p>
             <a:pPr algn="ctr"/>
             <a:r>
-              <a:rPr lang="en-US" sz="3600" dirty="0" err="1" smtClean="0"/>
-              <a:t>Diagrammes</a:t>
-            </a:r>
-            <a:r>
-              <a:rPr lang="en-US" sz="3600" dirty="0" smtClean="0"/>
-              <a:t> TP 02 </a:t>
-            </a:r>
-            <a:r>
-              <a:rPr lang="en-US" sz="3600" dirty="0" err="1" smtClean="0"/>
-              <a:t>Modèlisation</a:t>
-            </a:r>
-            <a:endParaRPr lang="en-US" sz="3600" dirty="0" smtClean="0"/>
-          </a:p>
-        </p:txBody>
-      </p:sp>
-      <p:sp>
-        <p:nvSpPr>
-          <p:cNvPr id="6" name="TextBox 5"/>
+              <a:rPr dirty="0" sz="3600" lang="en-US" smtClean="0"/>
+              <a:t>Diagram Presentation PowerPoint</a:t>
+            </a:r>
+          </a:p>
+        </p:txBody>
+      </p:sp>
+      <p:sp>
+        <p:nvSpPr>
+          <p:cNvPr name="TextBox 5" id="6"/>
           <p:cNvSpPr txBox="1"/>
           <p:nvPr/>
         </p:nvSpPr>
@@ -6132,17 +6107,20 @@
           <a:noFill/>
         </p:spPr>
         <p:txBody>
-          <a:bodyPr wrap="square" rtlCol="0">
+          <a:bodyPr rtlCol="0" wrap="square">
             <a:spAutoFit/>
           </a:bodyPr>
           <a:lstStyle/>
           <a:p>
             <a:pPr algn="r"/>
             <a:r>
-              <a:rPr lang="en-US" dirty="0" smtClean="0"/>
-              <a:t>Dahbia BERRANI</a:t>
-            </a:r>
-            <a:endParaRPr lang="en-US" dirty="0"/>
+              <a:rPr dirty="0" lang="en-US"/>
+              <a:t>Presented by </a:t>
+            </a:r>
+            <a:r>
+              <a:rPr dirty="0" lang="en-US"/>
+              <a:t>No Magic</a:t>
+            </a:r>
           </a:p>
         </p:txBody>
       </p:sp>
@@ -6155,11 +6133,11 @@
 </file>
 
 <file path=ppt/slides/slide2.xml><?xml version="1.0" encoding="utf-8"?>
-<p:sld xmlns:a="http://schemas.openxmlformats.org/drawingml/2006/main" xmlns:r="http://schemas.openxmlformats.org/officeDocument/2006/relationships" xmlns:p="http://schemas.openxmlformats.org/presentationml/2006/main">
+<p:sld xmlns:a="http://schemas.openxmlformats.org/drawingml/2006/main" xmlns:p="http://schemas.openxmlformats.org/presentationml/2006/main" xmlns:r="http://schemas.openxmlformats.org/officeDocument/2006/relationships">
   <p:cSld>
     <p:spTree>
       <p:nvGrpSpPr>
-        <p:cNvPr id="1" name=""/>
+        <p:cNvPr name="" id="1"/>
         <p:cNvGrpSpPr/>
         <p:nvPr/>
       </p:nvGrpSpPr>
@@ -6173,7 +6151,7 @@
       </p:grpSpPr>
       <p:sp>
         <p:nvSpPr>
-          <p:cNvPr id="3" name="TextBox 2"/>
+          <p:cNvPr name="TextBox 2" id="3"/>
           <p:cNvSpPr txBox="1"/>
           <p:nvPr/>
         </p:nvSpPr>
@@ -6188,22 +6166,22 @@
           <a:noFill/>
         </p:spPr>
         <p:txBody>
-          <a:bodyPr wrap="square" rtlCol="0">
+          <a:bodyPr rtlCol="0" wrap="square">
             <a:spAutoFit/>
           </a:bodyPr>
           <a:lstStyle/>
           <a:p>
             <a:pPr algn="ctr"/>
             <a:r>
-              <a:rPr lang="en-US" sz="2800" b="1" dirty="0"/>
-              <a:t>Diagramme-Classes</a:t>
-            </a:r>
-          </a:p>
-        </p:txBody>
-      </p:sp>
-      <p:sp>
-        <p:nvSpPr>
-          <p:cNvPr id="4" name="TextBox 3"/>
+              <a:rPr dirty="0" b="1" sz="2800" lang="en-US"/>
+              <a:t>Model</a:t>
+            </a:r>
+          </a:p>
+        </p:txBody>
+      </p:sp>
+      <p:sp>
+        <p:nvSpPr>
+          <p:cNvPr name="TextBox 3" id="4"/>
           <p:cNvSpPr txBox="1"/>
           <p:nvPr/>
         </p:nvSpPr>
@@ -6218,54 +6196,38 @@
           <a:noFill/>
         </p:spPr>
         <p:txBody>
-          <a:bodyPr wrap="square" rtlCol="0">
+          <a:bodyPr rtlCol="0" wrap="square">
             <a:spAutoFit/>
           </a:bodyPr>
           <a:lstStyle/>
-          <a:p>
-            <a:endParaRPr/>
-          </a:p>
-          <a:p>
-            <a:endParaRPr/>
-          </a:p>
-          <a:p>
-            <a:endParaRPr/>
-          </a:p>
-          <a:p>
-            <a:endParaRPr/>
-          </a:p>
-          <a:p>
-            <a:endParaRPr/>
-          </a:p>
-          <a:p>
-            <a:endParaRPr/>
-          </a:p>
-          <a:p>
-            <a:endParaRPr/>
-          </a:p>
-          <a:p>
-            <a:endParaRPr/>
-          </a:p>
+          <a:p/>
+          <a:p/>
+          <a:p/>
+          <a:p/>
+          <a:p/>
+          <a:p/>
+          <a:p/>
+          <a:p/>
         </p:txBody>
       </p:sp>
       <p:pic>
         <p:nvPicPr>
-          <p:cNvPr id="2" name="Picture 2093680983.jpg" descr="2093680983.jpg"/>
+          <p:cNvPr id="0" name="Picture 1159304949.jpg" descr="1159304949.jpg" title=""/>
           <p:cNvPicPr preferRelativeResize="0">
             <a:picLocks/>
           </p:cNvPicPr>
           <p:nvPr/>
         </p:nvPicPr>
         <p:blipFill>
-          <a:blip r:embed="rId2" cstate="print"/>
+          <a:blip r:embed="mr_image1" cstate="print"/>
           <a:stretch>
             <a:fillRect/>
           </a:stretch>
         </p:blipFill>
         <p:spPr>
-          <a:xfrm>
-            <a:off x="1976472" y="1447800"/>
-            <a:ext cx="5419655" cy="4678204"/>
+          <a:xfrm rot="0">
+            <a:off x="762000" y="1845120"/>
+            <a:ext cx="7848599" cy="3883563"/>
           </a:xfrm>
           <a:prstGeom prst="rect">
             <a:avLst/>
@@ -6281,11 +6243,11 @@
 </file>
 
 <file path=ppt/slides/slide3.xml><?xml version="1.0" encoding="utf-8"?>
-<p:sld xmlns:a="http://schemas.openxmlformats.org/drawingml/2006/main" xmlns:r="http://schemas.openxmlformats.org/officeDocument/2006/relationships" xmlns:p="http://schemas.openxmlformats.org/presentationml/2006/main">
+<p:sld xmlns:a="http://schemas.openxmlformats.org/drawingml/2006/main" xmlns:p="http://schemas.openxmlformats.org/presentationml/2006/main" xmlns:r="http://schemas.openxmlformats.org/officeDocument/2006/relationships">
   <p:cSld>
     <p:spTree>
       <p:nvGrpSpPr>
-        <p:cNvPr id="1" name=""/>
+        <p:cNvPr name="" id="1"/>
         <p:cNvGrpSpPr/>
         <p:nvPr/>
       </p:nvGrpSpPr>
@@ -6299,7 +6261,7 @@
       </p:grpSpPr>
       <p:sp>
         <p:nvSpPr>
-          <p:cNvPr id="3" name="TextBox 2"/>
+          <p:cNvPr name="TextBox 2" id="3"/>
           <p:cNvSpPr txBox="1"/>
           <p:nvPr/>
         </p:nvSpPr>
@@ -6314,22 +6276,22 @@
           <a:noFill/>
         </p:spPr>
         <p:txBody>
-          <a:bodyPr wrap="square" rtlCol="0">
+          <a:bodyPr rtlCol="0" wrap="square">
             <a:spAutoFit/>
           </a:bodyPr>
           <a:lstStyle/>
           <a:p>
             <a:pPr algn="ctr"/>
             <a:r>
-              <a:rPr lang="en-US" sz="2800" b="1" dirty="0"/>
-              <a:t>Diagramme-Etats-Transitions</a:t>
-            </a:r>
-          </a:p>
-        </p:txBody>
-      </p:sp>
-      <p:sp>
-        <p:nvSpPr>
-          <p:cNvPr id="4" name="TextBox 3"/>
+              <a:rPr dirty="0" b="1" sz="2800" lang="en-US"/>
+              <a:t>Model</a:t>
+            </a:r>
+          </a:p>
+        </p:txBody>
+      </p:sp>
+      <p:sp>
+        <p:nvSpPr>
+          <p:cNvPr name="TextBox 3" id="4"/>
           <p:cNvSpPr txBox="1"/>
           <p:nvPr/>
         </p:nvSpPr>
@@ -6344,54 +6306,38 @@
           <a:noFill/>
         </p:spPr>
         <p:txBody>
-          <a:bodyPr wrap="square" rtlCol="0">
+          <a:bodyPr rtlCol="0" wrap="square">
             <a:spAutoFit/>
           </a:bodyPr>
           <a:lstStyle/>
-          <a:p>
-            <a:endParaRPr/>
-          </a:p>
-          <a:p>
-            <a:endParaRPr/>
-          </a:p>
-          <a:p>
-            <a:endParaRPr/>
-          </a:p>
-          <a:p>
-            <a:endParaRPr/>
-          </a:p>
-          <a:p>
-            <a:endParaRPr/>
-          </a:p>
-          <a:p>
-            <a:endParaRPr/>
-          </a:p>
-          <a:p>
-            <a:endParaRPr/>
-          </a:p>
-          <a:p>
-            <a:endParaRPr/>
-          </a:p>
+          <a:p/>
+          <a:p/>
+          <a:p/>
+          <a:p/>
+          <a:p/>
+          <a:p/>
+          <a:p/>
+          <a:p/>
         </p:txBody>
       </p:sp>
       <p:pic>
         <p:nvPicPr>
-          <p:cNvPr id="2" name="Picture 353055442.jpg" descr="353055442.jpg"/>
+          <p:cNvPr id="0" name="Picture -847779008.jpg" descr="-847779008.jpg" title=""/>
           <p:cNvPicPr preferRelativeResize="0">
             <a:picLocks/>
           </p:cNvPicPr>
           <p:nvPr/>
         </p:nvPicPr>
         <p:blipFill>
-          <a:blip r:embed="rId2" cstate="print"/>
+          <a:blip r:embed="mr_image2" cstate="print"/>
           <a:stretch>
             <a:fillRect/>
           </a:stretch>
         </p:blipFill>
         <p:spPr>
-          <a:xfrm>
-            <a:off x="2787454" y="1447800"/>
-            <a:ext cx="3797690" cy="4678204"/>
+          <a:xfrm rot="0">
+            <a:off x="1739200" y="1447800"/>
+            <a:ext cx="5894199" cy="4678204"/>
           </a:xfrm>
           <a:prstGeom prst="rect">
             <a:avLst/>
@@ -6407,11 +6353,11 @@
 </file>
 
 <file path=ppt/slides/slide4.xml><?xml version="1.0" encoding="utf-8"?>
-<p:sld xmlns:a="http://schemas.openxmlformats.org/drawingml/2006/main" xmlns:r="http://schemas.openxmlformats.org/officeDocument/2006/relationships" xmlns:p="http://schemas.openxmlformats.org/presentationml/2006/main">
+<p:sld xmlns:a="http://schemas.openxmlformats.org/drawingml/2006/main" xmlns:p="http://schemas.openxmlformats.org/presentationml/2006/main" xmlns:r="http://schemas.openxmlformats.org/officeDocument/2006/relationships">
   <p:cSld>
     <p:spTree>
       <p:nvGrpSpPr>
-        <p:cNvPr id="1" name=""/>
+        <p:cNvPr name="" id="1"/>
         <p:cNvGrpSpPr/>
         <p:nvPr/>
       </p:nvGrpSpPr>
@@ -6425,7 +6371,7 @@
       </p:grpSpPr>
       <p:sp>
         <p:nvSpPr>
-          <p:cNvPr id="3" name="TextBox 2"/>
+          <p:cNvPr name="TextBox 2" id="3"/>
           <p:cNvSpPr txBox="1"/>
           <p:nvPr/>
         </p:nvSpPr>
@@ -6440,22 +6386,22 @@
           <a:noFill/>
         </p:spPr>
         <p:txBody>
-          <a:bodyPr wrap="square" rtlCol="0">
+          <a:bodyPr rtlCol="0" wrap="square">
             <a:spAutoFit/>
           </a:bodyPr>
           <a:lstStyle/>
           <a:p>
             <a:pPr algn="ctr"/>
             <a:r>
-              <a:rPr lang="en-US" sz="2800" b="1" dirty="0"/>
-              <a:t>Diagramme-Objets</a:t>
-            </a:r>
-          </a:p>
-        </p:txBody>
-      </p:sp>
-      <p:sp>
-        <p:nvSpPr>
-          <p:cNvPr id="4" name="TextBox 3"/>
+              <a:rPr dirty="0" b="1" sz="2800" lang="en-US"/>
+              <a:t>Model</a:t>
+            </a:r>
+          </a:p>
+        </p:txBody>
+      </p:sp>
+      <p:sp>
+        <p:nvSpPr>
+          <p:cNvPr name="TextBox 3" id="4"/>
           <p:cNvSpPr txBox="1"/>
           <p:nvPr/>
         </p:nvSpPr>
@@ -6470,54 +6416,38 @@
           <a:noFill/>
         </p:spPr>
         <p:txBody>
-          <a:bodyPr wrap="square" rtlCol="0">
+          <a:bodyPr rtlCol="0" wrap="square">
             <a:spAutoFit/>
           </a:bodyPr>
           <a:lstStyle/>
-          <a:p>
-            <a:endParaRPr/>
-          </a:p>
-          <a:p>
-            <a:endParaRPr/>
-          </a:p>
-          <a:p>
-            <a:endParaRPr/>
-          </a:p>
-          <a:p>
-            <a:endParaRPr/>
-          </a:p>
-          <a:p>
-            <a:endParaRPr/>
-          </a:p>
-          <a:p>
-            <a:endParaRPr/>
-          </a:p>
-          <a:p>
-            <a:endParaRPr/>
-          </a:p>
-          <a:p>
-            <a:endParaRPr/>
-          </a:p>
+          <a:p/>
+          <a:p/>
+          <a:p/>
+          <a:p/>
+          <a:p/>
+          <a:p/>
+          <a:p/>
+          <a:p/>
         </p:txBody>
       </p:sp>
       <p:pic>
         <p:nvPicPr>
-          <p:cNvPr id="2" name="Picture -1154211956.jpg" descr="-1154211956.jpg"/>
+          <p:cNvPr id="0" name="Picture 1344302002.jpg" descr="1344302002.jpg" title=""/>
           <p:cNvPicPr preferRelativeResize="0">
             <a:picLocks/>
           </p:cNvPicPr>
           <p:nvPr/>
         </p:nvPicPr>
         <p:blipFill>
-          <a:blip r:embed="rId2" cstate="print"/>
+          <a:blip r:embed="mr_image3" cstate="print"/>
           <a:stretch>
             <a:fillRect/>
           </a:stretch>
         </p:blipFill>
         <p:spPr>
-          <a:xfrm>
-            <a:off x="1110942" y="1447800"/>
-            <a:ext cx="7150715" cy="4678204"/>
+          <a:xfrm rot="0">
+            <a:off x="1170197" y="1447800"/>
+            <a:ext cx="7032205" cy="4678204"/>
           </a:xfrm>
           <a:prstGeom prst="rect">
             <a:avLst/>
